--- a/courses/cse3400-f2024/lecture8.pptx
+++ b/courses/cse3400-f2024/lecture8.pptx
@@ -1698,7 +1698,7 @@
                   <a:spcPct val="0"/>
                 </a:spcBef>
               </a:pPr>
-              <a:t>10/20/24</a:t>
+              <a:t>10/29/24</a:t>
             </a:fld>
             <a:endParaRPr lang="en-US" altLang="en-US">
               <a:latin typeface="Arial" panose="020B0604020202020204" pitchFamily="34" charset="0"/>
@@ -3623,7 +3623,7 @@
                   <a:spcPct val="0"/>
                 </a:spcBef>
               </a:pPr>
-              <a:t>10/20/24</a:t>
+              <a:t>10/29/24</a:t>
             </a:fld>
             <a:endParaRPr lang="en-US" altLang="en-US">
               <a:latin typeface="Arial" panose="020B0604020202020204" pitchFamily="34" charset="0"/>
@@ -4039,7 +4039,7 @@
                   <a:spcPct val="0"/>
                 </a:spcBef>
               </a:pPr>
-              <a:t>10/20/24</a:t>
+              <a:t>10/29/24</a:t>
             </a:fld>
             <a:endParaRPr lang="en-US" altLang="en-US">
               <a:latin typeface="Arial" panose="020B0604020202020204" pitchFamily="34" charset="0"/>
@@ -5964,7 +5964,7 @@
                   <a:spcPct val="0"/>
                 </a:spcBef>
               </a:pPr>
-              <a:t>10/20/24</a:t>
+              <a:t>10/29/24</a:t>
             </a:fld>
             <a:endParaRPr lang="en-US" altLang="en-US">
               <a:latin typeface="Arial" panose="020B0604020202020204" pitchFamily="34" charset="0"/>
@@ -15823,8 +15823,8 @@
           </a:p>
         </p:txBody>
       </p:sp>
-      <mc:AlternateContent xmlns:mc="http://schemas.openxmlformats.org/markup-compatibility/2006" xmlns:a14="http://schemas.microsoft.com/office/drawing/2010/main">
-        <mc:Choice Requires="a14">
+      <mc:AlternateContent xmlns:mc="http://schemas.openxmlformats.org/markup-compatibility/2006">
+        <mc:Choice xmlns:a14="http://schemas.microsoft.com/office/drawing/2010/main" Requires="a14">
           <p:sp>
             <p:nvSpPr>
               <p:cNvPr id="3" name="Content Placeholder 2"/>
@@ -15862,14 +15862,7 @@
                 <a:pPr lvl="1"/>
                 <a:r>
                   <a:rPr lang="en-US" sz="2400" dirty="0"/>
-                  <a:t>Each party assigns its own unique ID to each session</a:t>
-                </a:r>
-              </a:p>
-              <a:p>
-                <a:pPr lvl="1"/>
-                <a:r>
-                  <a:rPr lang="en-US" sz="2400" dirty="0"/>
-                  <a:t>And map peer’s-IDs to its own IDs</a:t>
+                  <a:t>Each party assigns its own unique ID to each session, and maps peer’s-IDs to its own IDs</a:t>
                 </a:r>
               </a:p>
               <a:p>
@@ -16373,7 +16366,7 @@
             </p:txBody>
           </p:sp>
         </mc:Choice>
-        <mc:Fallback xmlns="">
+        <mc:Fallback>
           <p:sp>
             <p:nvSpPr>
               <p:cNvPr id="3" name="Content Placeholder 2"/>
@@ -16925,8 +16918,8 @@
           </a:p>
         </p:txBody>
       </p:sp>
-      <mc:AlternateContent xmlns:mc="http://schemas.openxmlformats.org/markup-compatibility/2006" xmlns:a14="http://schemas.microsoft.com/office/drawing/2010/main">
-        <mc:Choice Requires="a14">
+      <mc:AlternateContent xmlns:mc="http://schemas.openxmlformats.org/markup-compatibility/2006">
+        <mc:Choice xmlns:a14="http://schemas.microsoft.com/office/drawing/2010/main" Requires="a14">
           <p:sp>
             <p:nvSpPr>
               <p:cNvPr id="3" name="Content Placeholder 2"/>
@@ -17015,7 +17008,60 @@
                 </a:r>
                 <a:r>
                   <a:rPr lang="en-US" sz="2400" dirty="0"/>
-                  <a:t>instruct Alice/Bob to open session</a:t>
+                  <a:t>Alice/Bob open a session</a:t>
+                </a:r>
+              </a:p>
+              <a:p>
+                <a:pPr lvl="1"/>
+                <a14:m>
+                  <m:oMath xmlns:m="http://schemas.openxmlformats.org/officeDocument/2006/math">
+                    <m:r>
+                      <a:rPr lang="en-US" sz="2400" b="0" i="1" dirty="0" smtClean="0">
+                        <a:latin typeface="Cambria Math" panose="02040503050406030204" pitchFamily="18" charset="0"/>
+                      </a:rPr>
+                      <m:t>𝑂𝑢𝑡</m:t>
+                    </m:r>
+                    <m:r>
+                      <a:rPr lang="en-US" sz="2400" i="1" dirty="0" smtClean="0">
+                        <a:latin typeface="Cambria Math" panose="02040503050406030204" pitchFamily="18" charset="0"/>
+                      </a:rPr>
+                      <m:t>(</m:t>
+                    </m:r>
+                    <m:r>
+                      <a:rPr lang="en-US" sz="2400" i="1" dirty="0" smtClean="0">
+                        <a:latin typeface="Cambria Math" panose="02040503050406030204" pitchFamily="18" charset="0"/>
+                      </a:rPr>
+                      <m:t>𝑥</m:t>
+                    </m:r>
+                    <m:r>
+                      <a:rPr lang="en-US" sz="2400" i="1" dirty="0" smtClean="0">
+                        <a:latin typeface="Cambria Math" panose="02040503050406030204" pitchFamily="18" charset="0"/>
+                      </a:rPr>
+                      <m:t>)</m:t>
+                    </m:r>
+                  </m:oMath>
+                </a14:m>
+                <a:r>
+                  <a:rPr lang="en-US" sz="2400" i="1" dirty="0"/>
+                  <a:t> </a:t>
+                </a:r>
+                <a:r>
+                  <a:rPr lang="en-US" sz="2400" dirty="0"/>
+                  <a:t>: party sends </a:t>
+                </a:r>
+                <a14:m>
+                  <m:oMath xmlns:m="http://schemas.openxmlformats.org/officeDocument/2006/math">
+                    <m:r>
+                      <a:rPr lang="en-US" sz="2400" i="1" dirty="0" smtClean="0">
+                        <a:latin typeface="Cambria Math" panose="02040503050406030204" pitchFamily="18" charset="0"/>
+                      </a:rPr>
+                      <m:t>𝑥</m:t>
+                    </m:r>
+                  </m:oMath>
+                </a14:m>
+                <a:r>
+                  <a:rPr lang="en-US" sz="2400" dirty="0"/>
+                  <a:t> to peer </a:t>
                 </a:r>
               </a:p>
               <a:p>
@@ -17138,62 +17184,15 @@
               </a:p>
               <a:p>
                 <a:pPr lvl="1"/>
-                <a14:m>
-                  <m:oMath xmlns:m="http://schemas.openxmlformats.org/officeDocument/2006/math">
-                    <m:r>
-                      <a:rPr lang="en-US" sz="2400" b="0" i="1" dirty="0" smtClean="0">
-                        <a:latin typeface="Cambria Math" panose="02040503050406030204" pitchFamily="18" charset="0"/>
-                      </a:rPr>
-                      <m:t>𝑂𝑢𝑡</m:t>
-                    </m:r>
-                    <m:r>
-                      <a:rPr lang="en-US" sz="2400" i="1" dirty="0" smtClean="0">
-                        <a:latin typeface="Cambria Math" panose="02040503050406030204" pitchFamily="18" charset="0"/>
-                      </a:rPr>
-                      <m:t>(</m:t>
-                    </m:r>
-                    <m:r>
-                      <a:rPr lang="en-US" sz="2400" i="1" dirty="0" smtClean="0">
-                        <a:latin typeface="Cambria Math" panose="02040503050406030204" pitchFamily="18" charset="0"/>
-                      </a:rPr>
-                      <m:t>𝑥</m:t>
-                    </m:r>
-                    <m:r>
-                      <a:rPr lang="en-US" sz="2400" i="1" dirty="0" smtClean="0">
-                        <a:latin typeface="Cambria Math" panose="02040503050406030204" pitchFamily="18" charset="0"/>
-                      </a:rPr>
-                      <m:t>)</m:t>
-                    </m:r>
-                  </m:oMath>
-                </a14:m>
-                <a:r>
-                  <a:rPr lang="en-US" sz="2400" i="1" dirty="0"/>
-                  <a:t> </a:t>
-                </a:r>
                 <a:r>
                   <a:rPr lang="en-US" sz="2400" dirty="0"/>
-                  <a:t>: party asks to send </a:t>
+                  <a:t>(and received messages).</a:t>
                 </a:r>
-                <a14:m>
-                  <m:oMath xmlns:m="http://schemas.openxmlformats.org/officeDocument/2006/math">
-                    <m:r>
-                      <a:rPr lang="en-US" sz="2400" i="1" dirty="0" smtClean="0">
-                        <a:latin typeface="Cambria Math" panose="02040503050406030204" pitchFamily="18" charset="0"/>
-                      </a:rPr>
-                      <m:t>𝑥</m:t>
-                    </m:r>
-                  </m:oMath>
-                </a14:m>
-                <a:r>
-                  <a:rPr lang="en-US" sz="2400" dirty="0"/>
-                  <a:t> to peer </a:t>
-                </a:r>
-                <a:endParaRPr lang="en-US" sz="2400" i="1" dirty="0"/>
               </a:p>
             </p:txBody>
           </p:sp>
         </mc:Choice>
-        <mc:Fallback xmlns="">
+        <mc:Fallback>
           <p:sp>
             <p:nvSpPr>
               <p:cNvPr id="3" name="Content Placeholder 2"/>
@@ -21791,7 +21790,7 @@
         <p:spPr>
           <a:xfrm>
             <a:off x="319177" y="931990"/>
-            <a:ext cx="8824823" cy="1810368"/>
+            <a:ext cx="8824823" cy="1625702"/>
           </a:xfrm>
         </p:spPr>
         <p:txBody>
@@ -21898,7 +21897,14 @@
               </a:spcBef>
             </a:pPr>
             <a:r>
-              <a:rPr lang="en-US" altLang="en-US" sz="2400" dirty="0">
+              <a:rPr lang="en-US" altLang="en-US" sz="2000" i="1" dirty="0">
+                <a:latin typeface="Times New Roman" panose="02020603050405020304" pitchFamily="18" charset="0"/>
+                <a:cs typeface="Times New Roman" panose="02020603050405020304" pitchFamily="18" charset="0"/>
+              </a:rPr>
+              <a:t> </a:t>
+            </a:r>
+            <a:r>
+              <a:rPr lang="en-US" altLang="en-US" sz="2000" dirty="0">
                 <a:latin typeface="Times New Roman" panose="02020603050405020304" pitchFamily="18" charset="0"/>
                 <a:cs typeface="Times New Roman" panose="02020603050405020304" pitchFamily="18" charset="0"/>
               </a:rPr>
@@ -30612,7 +30618,7 @@
         </p:nvSpPr>
         <p:spPr bwMode="auto">
           <a:xfrm>
-            <a:off x="4233844" y="1561252"/>
+            <a:off x="4029309" y="1555625"/>
             <a:ext cx="3422974" cy="371509"/>
           </a:xfrm>
           <a:custGeom>
@@ -35345,8 +35351,8 @@
           </a:p>
         </p:txBody>
       </p:sp>
-      <mc:AlternateContent xmlns:mc="http://schemas.openxmlformats.org/markup-compatibility/2006">
-        <mc:Choice xmlns:a14="http://schemas.microsoft.com/office/drawing/2010/main" Requires="a14">
+      <mc:AlternateContent xmlns:mc="http://schemas.openxmlformats.org/markup-compatibility/2006" xmlns:a14="http://schemas.microsoft.com/office/drawing/2010/main">
+        <mc:Choice Requires="a14">
           <p:sp>
             <p:nvSpPr>
               <p:cNvPr id="3" name="Content Placeholder 2"/>
@@ -35607,7 +35613,7 @@
             </p:txBody>
           </p:sp>
         </mc:Choice>
-        <mc:Fallback>
+        <mc:Fallback xmlns="">
           <p:sp>
             <p:nvSpPr>
               <p:cNvPr id="3" name="Content Placeholder 2"/>
@@ -36754,8 +36760,8 @@
           </a:p>
         </p:txBody>
       </p:sp>
-      <mc:AlternateContent xmlns:mc="http://schemas.openxmlformats.org/markup-compatibility/2006">
-        <mc:Choice xmlns:a14="http://schemas.microsoft.com/office/drawing/2010/main" Requires="a14">
+      <mc:AlternateContent xmlns:mc="http://schemas.openxmlformats.org/markup-compatibility/2006" xmlns:a14="http://schemas.microsoft.com/office/drawing/2010/main">
+        <mc:Choice Requires="a14">
           <p:sp>
             <p:nvSpPr>
               <p:cNvPr id="3" name="Content Placeholder 2"/>
@@ -37625,7 +37631,7 @@
             </p:txBody>
           </p:sp>
         </mc:Choice>
-        <mc:Fallback>
+        <mc:Fallback xmlns="">
           <p:sp>
             <p:nvSpPr>
               <p:cNvPr id="3" name="Content Placeholder 2"/>
